--- a/Day 1/3. Modern Javascript (ES6)/Slides/5. Functions and Scope/functions-and-scope-slides.pptx
+++ b/Day 1/3. Modern Javascript (ES6)/Slides/5. Functions and Scope/functions-and-scope-slides.pptx
@@ -11202,7 +11202,7 @@
         <p:spPr>
           <a:xfrm>
             <a:off x="688635" y="1596644"/>
-            <a:ext cx="8500745" cy="4551680"/>
+            <a:ext cx="8500745" cy="4585335"/>
           </a:xfrm>
           <a:prstGeom prst="rect">
             <a:avLst/>
@@ -11229,6 +11229,7 @@
                 </a:solidFill>
                 <a:latin typeface="Courier New" panose="02070309020205020404"/>
                 <a:cs typeface="Courier New" panose="02070309020205020404"/>
+                <a:sym typeface="+mn-ea"/>
               </a:rPr>
               <a:t>function</a:t>
             </a:r>
@@ -11239,16 +11240,18 @@
                 </a:solidFill>
                 <a:latin typeface="Courier New" panose="02070309020205020404"/>
                 <a:cs typeface="Courier New" panose="02070309020205020404"/>
-              </a:rPr>
-              <a:t> </a:t>
-            </a:r>
-            <a:r>
-              <a:rPr sz="2400" spc="-5" dirty="0">
-                <a:solidFill>
-                  <a:srgbClr val="404040"/>
-                </a:solidFill>
-                <a:latin typeface="Courier New" panose="02070309020205020404"/>
-                <a:cs typeface="Courier New" panose="02070309020205020404"/>
+                <a:sym typeface="+mn-ea"/>
+              </a:rPr>
+              <a:t> </a:t>
+            </a:r>
+            <a:r>
+              <a:rPr sz="2400" spc="-5" dirty="0">
+                <a:solidFill>
+                  <a:srgbClr val="404040"/>
+                </a:solidFill>
+                <a:latin typeface="Courier New" panose="02070309020205020404"/>
+                <a:cs typeface="Courier New" panose="02070309020205020404"/>
+                <a:sym typeface="+mn-ea"/>
               </a:rPr>
               <a:t>startCar(carId)</a:t>
             </a:r>
@@ -11259,6 +11262,7 @@
                 </a:solidFill>
                 <a:latin typeface="Courier New" panose="02070309020205020404"/>
                 <a:cs typeface="Courier New" panose="02070309020205020404"/>
+                <a:sym typeface="+mn-ea"/>
               </a:rPr>
               <a:t> </a:t>
             </a:r>
@@ -11269,6 +11273,7 @@
                 </a:solidFill>
                 <a:latin typeface="Courier New" panose="02070309020205020404"/>
                 <a:cs typeface="Courier New" panose="02070309020205020404"/>
+                <a:sym typeface="+mn-ea"/>
               </a:rPr>
               <a:t>{</a:t>
             </a:r>
@@ -11293,6 +11298,7 @@
                 </a:solidFill>
                 <a:latin typeface="Courier New" panose="02070309020205020404"/>
                 <a:cs typeface="Courier New" panose="02070309020205020404"/>
+                <a:sym typeface="+mn-ea"/>
               </a:rPr>
               <a:t>let</a:t>
             </a:r>
@@ -11303,16 +11309,18 @@
                 </a:solidFill>
                 <a:latin typeface="Courier New" panose="02070309020205020404"/>
                 <a:cs typeface="Courier New" panose="02070309020205020404"/>
-              </a:rPr>
-              <a:t> </a:t>
-            </a:r>
-            <a:r>
-              <a:rPr sz="2400" spc="-5" dirty="0">
-                <a:solidFill>
-                  <a:srgbClr val="404040"/>
-                </a:solidFill>
-                <a:latin typeface="Courier New" panose="02070309020205020404"/>
-                <a:cs typeface="Courier New" panose="02070309020205020404"/>
+                <a:sym typeface="+mn-ea"/>
+              </a:rPr>
+              <a:t> </a:t>
+            </a:r>
+            <a:r>
+              <a:rPr sz="2400" spc="-5" dirty="0">
+                <a:solidFill>
+                  <a:srgbClr val="404040"/>
+                </a:solidFill>
+                <a:latin typeface="Courier New" panose="02070309020205020404"/>
+                <a:cs typeface="Courier New" panose="02070309020205020404"/>
+                <a:sym typeface="+mn-ea"/>
               </a:rPr>
               <a:t>message</a:t>
             </a:r>
@@ -11323,6 +11331,7 @@
                 </a:solidFill>
                 <a:latin typeface="Courier New" panose="02070309020205020404"/>
                 <a:cs typeface="Courier New" panose="02070309020205020404"/>
+                <a:sym typeface="+mn-ea"/>
               </a:rPr>
               <a:t> </a:t>
             </a:r>
@@ -11333,6 +11342,7 @@
                 </a:solidFill>
                 <a:latin typeface="Courier New" panose="02070309020205020404"/>
                 <a:cs typeface="Courier New" panose="02070309020205020404"/>
+                <a:sym typeface="+mn-ea"/>
               </a:rPr>
               <a:t>=</a:t>
             </a:r>
@@ -11343,6 +11353,7 @@
                 </a:solidFill>
                 <a:latin typeface="Courier New" panose="02070309020205020404"/>
                 <a:cs typeface="Courier New" panose="02070309020205020404"/>
+                <a:sym typeface="+mn-ea"/>
               </a:rPr>
               <a:t> </a:t>
             </a:r>
@@ -11353,6 +11364,7 @@
                 </a:solidFill>
                 <a:latin typeface="Courier New" panose="02070309020205020404"/>
                 <a:cs typeface="Courier New" panose="02070309020205020404"/>
+                <a:sym typeface="+mn-ea"/>
               </a:rPr>
               <a:t>'Starting...';</a:t>
             </a:r>
@@ -11377,6 +11389,7 @@
                 </a:solidFill>
                 <a:latin typeface="Courier New" panose="02070309020205020404"/>
                 <a:cs typeface="Courier New" panose="02070309020205020404"/>
+                <a:sym typeface="+mn-ea"/>
               </a:rPr>
               <a:t>let </a:t>
             </a:r>
@@ -11387,6 +11400,7 @@
                 </a:solidFill>
                 <a:latin typeface="Courier New" panose="02070309020205020404"/>
                 <a:cs typeface="Courier New" panose="02070309020205020404"/>
+                <a:sym typeface="+mn-ea"/>
               </a:rPr>
               <a:t>startFn </a:t>
             </a:r>
@@ -11397,6 +11411,7 @@
                 </a:solidFill>
                 <a:latin typeface="Courier New" panose="02070309020205020404"/>
                 <a:cs typeface="Courier New" panose="02070309020205020404"/>
+                <a:sym typeface="+mn-ea"/>
               </a:rPr>
               <a:t>= </a:t>
             </a:r>
@@ -11407,6 +11422,7 @@
                 </a:solidFill>
                 <a:latin typeface="Courier New" panose="02070309020205020404"/>
                 <a:cs typeface="Courier New" panose="02070309020205020404"/>
+                <a:sym typeface="+mn-ea"/>
               </a:rPr>
               <a:t>function </a:t>
             </a:r>
@@ -11417,6 +11433,7 @@
                 </a:solidFill>
                 <a:latin typeface="Courier New" panose="02070309020205020404"/>
                 <a:cs typeface="Courier New" panose="02070309020205020404"/>
+                <a:sym typeface="+mn-ea"/>
               </a:rPr>
               <a:t>startCar() </a:t>
             </a:r>
@@ -11427,6 +11444,7 @@
                 </a:solidFill>
                 <a:latin typeface="Courier New" panose="02070309020205020404"/>
                 <a:cs typeface="Courier New" panose="02070309020205020404"/>
+                <a:sym typeface="+mn-ea"/>
               </a:rPr>
               <a:t>{ </a:t>
             </a:r>
@@ -11437,16 +11455,18 @@
                 </a:solidFill>
                 <a:latin typeface="Courier New" panose="02070309020205020404"/>
                 <a:cs typeface="Courier New" panose="02070309020205020404"/>
-              </a:rPr>
-              <a:t> </a:t>
-            </a:r>
-            <a:r>
-              <a:rPr sz="2400" spc="-5" dirty="0">
-                <a:solidFill>
-                  <a:srgbClr val="404040"/>
-                </a:solidFill>
-                <a:latin typeface="Courier New" panose="02070309020205020404"/>
-                <a:cs typeface="Courier New" panose="02070309020205020404"/>
+                <a:sym typeface="+mn-ea"/>
+              </a:rPr>
+              <a:t> </a:t>
+            </a:r>
+            <a:r>
+              <a:rPr sz="2400" spc="-5" dirty="0">
+                <a:solidFill>
+                  <a:srgbClr val="404040"/>
+                </a:solidFill>
+                <a:latin typeface="Courier New" panose="02070309020205020404"/>
+                <a:cs typeface="Courier New" panose="02070309020205020404"/>
+                <a:sym typeface="+mn-ea"/>
               </a:rPr>
               <a:t>console.log(message);	</a:t>
             </a:r>
@@ -11457,6 +11477,7 @@
                 </a:solidFill>
                 <a:latin typeface="Courier New" panose="02070309020205020404"/>
                 <a:cs typeface="Courier New" panose="02070309020205020404"/>
+                <a:sym typeface="+mn-ea"/>
               </a:rPr>
               <a:t>//</a:t>
             </a:r>
@@ -11467,6 +11488,7 @@
                 </a:solidFill>
                 <a:latin typeface="Courier New" panose="02070309020205020404"/>
                 <a:cs typeface="Courier New" panose="02070309020205020404"/>
+                <a:sym typeface="+mn-ea"/>
               </a:rPr>
               <a:t> </a:t>
             </a:r>
@@ -11477,6 +11499,7 @@
                 </a:solidFill>
                 <a:latin typeface="Courier New" panose="02070309020205020404"/>
                 <a:cs typeface="Courier New" panose="02070309020205020404"/>
+                <a:sym typeface="+mn-ea"/>
               </a:rPr>
               <a:t>'Starting...'</a:t>
             </a:r>
@@ -11501,6 +11524,7 @@
                 </a:solidFill>
                 <a:latin typeface="Courier New" panose="02070309020205020404"/>
                 <a:cs typeface="Courier New" panose="02070309020205020404"/>
+                <a:sym typeface="+mn-ea"/>
               </a:rPr>
               <a:t>};</a:t>
             </a:r>
@@ -11525,6 +11549,7 @@
                 </a:solidFill>
                 <a:latin typeface="Courier New" panose="02070309020205020404"/>
                 <a:cs typeface="Courier New" panose="02070309020205020404"/>
+                <a:sym typeface="+mn-ea"/>
               </a:rPr>
               <a:t>startFn();</a:t>
             </a:r>
@@ -11549,6 +11574,7 @@
                 </a:solidFill>
                 <a:latin typeface="Courier New" panose="02070309020205020404"/>
                 <a:cs typeface="Courier New" panose="02070309020205020404"/>
+                <a:sym typeface="+mn-ea"/>
               </a:rPr>
               <a:t>}</a:t>
             </a:r>
@@ -11573,6 +11599,7 @@
                 </a:solidFill>
                 <a:latin typeface="Courier New" panose="02070309020205020404"/>
                 <a:cs typeface="Courier New" panose="02070309020205020404"/>
+                <a:sym typeface="+mn-ea"/>
               </a:rPr>
               <a:t>startCar(</a:t>
             </a:r>
@@ -11583,6 +11610,7 @@
                 </a:solidFill>
                 <a:latin typeface="Courier New" panose="02070309020205020404"/>
                 <a:cs typeface="Courier New" panose="02070309020205020404"/>
+                <a:sym typeface="+mn-ea"/>
               </a:rPr>
               <a:t>123</a:t>
             </a:r>
@@ -11593,6 +11621,7 @@
                 </a:solidFill>
                 <a:latin typeface="Courier New" panose="02070309020205020404"/>
                 <a:cs typeface="Courier New" panose="02070309020205020404"/>
+                <a:sym typeface="+mn-ea"/>
               </a:rPr>
               <a:t>);</a:t>
             </a:r>

--- a/Day 1/3. Modern Javascript (ES6)/Slides/5. Functions and Scope/functions-and-scope-slides.pptx
+++ b/Day 1/3. Modern Javascript (ES6)/Slides/5. Functions and Scope/functions-and-scope-slides.pptx
@@ -5165,8 +5165,8 @@
         </p:nvSpPr>
         <p:spPr>
           <a:xfrm>
-            <a:off x="688635" y="1712467"/>
-            <a:ext cx="4772660" cy="3362960"/>
+            <a:off x="688340" y="1712595"/>
+            <a:ext cx="6751320" cy="4684395"/>
           </a:xfrm>
           <a:prstGeom prst="rect">
             <a:avLst/>
@@ -5174,7 +5174,7 @@
         </p:spPr>
         <p:txBody>
           <a:bodyPr vert="horz" wrap="square" lIns="0" tIns="12700" rIns="0" bIns="0" rtlCol="0">
-            <a:spAutoFit/>
+            <a:noAutofit/>
           </a:bodyPr>
           <a:lstStyle/>
           <a:p>
